--- a/Figure-3-1/Figure31/Figure31_fullslide.pptx
+++ b/Figure-3-1/Figure31/Figure31_fullslide.pptx
@@ -625,6 +625,420 @@
             <a:r>
               <a:rPr/>
               <a:t>breaks</a:t>
+            </a:r>
+          </a:p>
+          <a:p>
+            <a:pPr lvl="0" marL="0" indent="0">
+              <a:buNone/>
+            </a:pPr>
+          </a:p>
+          <a:p>
+            <a:pPr lvl="0" marL="0" indent="0">
+              <a:buNone/>
+            </a:pPr>
+            <a:r>
+              <a:rPr/>
+              <a:t>Notes:</a:t>
+            </a:r>
+            <a:r>
+              <a:rPr/>
+              <a:t> </a:t>
+            </a:r>
+            <a:r>
+              <a:rPr/>
+              <a:t>Value</a:t>
+            </a:r>
+            <a:r>
+              <a:rPr/>
+              <a:t> </a:t>
+            </a:r>
+            <a:r>
+              <a:rPr/>
+              <a:t>of</a:t>
+            </a:r>
+            <a:r>
+              <a:rPr/>
+              <a:t> </a:t>
+            </a:r>
+            <a:r>
+              <a:rPr/>
+              <a:t>tax</a:t>
+            </a:r>
+            <a:r>
+              <a:rPr/>
+              <a:t> </a:t>
+            </a:r>
+            <a:r>
+              <a:rPr/>
+              <a:t>breaks</a:t>
+            </a:r>
+            <a:r>
+              <a:rPr/>
+              <a:t> </a:t>
+            </a:r>
+            <a:r>
+              <a:rPr/>
+              <a:t>calculated</a:t>
+            </a:r>
+            <a:r>
+              <a:rPr/>
+              <a:t> </a:t>
+            </a:r>
+            <a:r>
+              <a:rPr/>
+              <a:t>against</a:t>
+            </a:r>
+            <a:r>
+              <a:rPr/>
+              <a:t> </a:t>
+            </a:r>
+            <a:r>
+              <a:rPr/>
+              <a:t>a</a:t>
+            </a:r>
+            <a:r>
+              <a:rPr/>
+              <a:t> </a:t>
+            </a:r>
+            <a:r>
+              <a:rPr/>
+              <a:t>comprehensiveincome</a:t>
+            </a:r>
+            <a:r>
+              <a:rPr/>
+              <a:t> </a:t>
+            </a:r>
+            <a:r>
+              <a:rPr/>
+              <a:t>tax</a:t>
+            </a:r>
+            <a:r>
+              <a:rPr/>
+              <a:t> </a:t>
+            </a:r>
+            <a:r>
+              <a:rPr/>
+              <a:t>benchmark.</a:t>
+            </a:r>
+            <a:r>
+              <a:rPr/>
+              <a:t> </a:t>
+            </a:r>
+            <a:r>
+              <a:rPr/>
+              <a:t>Deciles</a:t>
+            </a:r>
+            <a:r>
+              <a:rPr/>
+              <a:t> </a:t>
+            </a:r>
+            <a:r>
+              <a:rPr/>
+              <a:t>sorted</a:t>
+            </a:r>
+            <a:r>
+              <a:rPr/>
+              <a:t> </a:t>
+            </a:r>
+            <a:r>
+              <a:rPr/>
+              <a:t>by</a:t>
+            </a:r>
+            <a:r>
+              <a:rPr/>
+              <a:t> </a:t>
+            </a:r>
+            <a:r>
+              <a:rPr/>
+              <a:t>taxable</a:t>
+            </a:r>
+            <a:r>
+              <a:rPr/>
+              <a:t> </a:t>
+            </a:r>
+            <a:r>
+              <a:rPr/>
+              <a:t>income.Projections</a:t>
+            </a:r>
+            <a:r>
+              <a:rPr/>
+              <a:t> </a:t>
+            </a:r>
+            <a:r>
+              <a:rPr/>
+              <a:t>to</a:t>
+            </a:r>
+            <a:r>
+              <a:rPr/>
+              <a:t> </a:t>
+            </a:r>
+            <a:r>
+              <a:rPr/>
+              <a:t>2020-21</a:t>
+            </a:r>
+            <a:r>
+              <a:rPr/>
+              <a:t> </a:t>
+            </a:r>
+            <a:r>
+              <a:rPr/>
+              <a:t>assume</a:t>
+            </a:r>
+            <a:r>
+              <a:rPr/>
+              <a:t> </a:t>
+            </a:r>
+            <a:r>
+              <a:rPr/>
+              <a:t>2%</a:t>
+            </a:r>
+            <a:r>
+              <a:rPr/>
+              <a:t> </a:t>
+            </a:r>
+            <a:r>
+              <a:rPr/>
+              <a:t>wage</a:t>
+            </a:r>
+            <a:r>
+              <a:rPr/>
+              <a:t> </a:t>
+            </a:r>
+            <a:r>
+              <a:rPr/>
+              <a:t>growth</a:t>
+            </a:r>
+            <a:r>
+              <a:rPr/>
+              <a:t> </a:t>
+            </a:r>
+            <a:r>
+              <a:rPr/>
+              <a:t>and</a:t>
+            </a:r>
+            <a:r>
+              <a:rPr/>
+              <a:t> </a:t>
+            </a:r>
+            <a:r>
+              <a:rPr/>
+              <a:t>0%</a:t>
+            </a:r>
+            <a:r>
+              <a:rPr/>
+              <a:t> </a:t>
+            </a:r>
+            <a:r>
+              <a:rPr/>
+              <a:t>growth</a:t>
+            </a:r>
+            <a:r>
+              <a:rPr/>
+              <a:t> </a:t>
+            </a:r>
+            <a:r>
+              <a:rPr/>
+              <a:t>in</a:t>
+            </a:r>
+            <a:r>
+              <a:rPr/>
+              <a:t> </a:t>
+            </a:r>
+            <a:r>
+              <a:rPr/>
+              <a:t>the</a:t>
+            </a:r>
+            <a:r>
+              <a:rPr/>
+              <a:t> </a:t>
+            </a:r>
+            <a:r>
+              <a:rPr/>
+              <a:t>number</a:t>
+            </a:r>
+            <a:r>
+              <a:rPr/>
+              <a:t> </a:t>
+            </a:r>
+            <a:r>
+              <a:rPr/>
+              <a:t>of</a:t>
+            </a:r>
+            <a:r>
+              <a:rPr/>
+              <a:t> </a:t>
+            </a:r>
+            <a:r>
+              <a:rPr/>
+              <a:t>taxfilers</a:t>
+            </a:r>
+            <a:r>
+              <a:rPr/>
+              <a:t> </a:t>
+            </a:r>
+            <a:r>
+              <a:rPr/>
+              <a:t>from</a:t>
+            </a:r>
+            <a:r>
+              <a:rPr/>
+              <a:t> </a:t>
+            </a:r>
+            <a:r>
+              <a:rPr/>
+              <a:t>2019-20</a:t>
+            </a:r>
+            <a:r>
+              <a:rPr/>
+              <a:t> </a:t>
+            </a:r>
+            <a:r>
+              <a:rPr/>
+              <a:t>to</a:t>
+            </a:r>
+            <a:r>
+              <a:rPr/>
+              <a:t> </a:t>
+            </a:r>
+            <a:r>
+              <a:rPr/>
+              <a:t>2020-21</a:t>
+            </a:r>
+            <a:r>
+              <a:rPr/>
+              <a:t> </a:t>
+            </a:r>
+            <a:r>
+              <a:rPr/>
+              <a:t>Only</a:t>
+            </a:r>
+            <a:r>
+              <a:rPr/>
+              <a:t> </a:t>
+            </a:r>
+            <a:r>
+              <a:rPr/>
+              <a:t>includes</a:t>
+            </a:r>
+            <a:r>
+              <a:rPr/>
+              <a:t> </a:t>
+            </a:r>
+            <a:r>
+              <a:rPr/>
+              <a:t>taxpayers</a:t>
+            </a:r>
+            <a:r>
+              <a:rPr/>
+              <a:t> </a:t>
+            </a:r>
+            <a:r>
+              <a:rPr/>
+              <a:t>that</a:t>
+            </a:r>
+            <a:r>
+              <a:rPr/>
+              <a:t> </a:t>
+            </a:r>
+            <a:r>
+              <a:rPr/>
+              <a:t>made</a:t>
+            </a:r>
+            <a:r>
+              <a:rPr/>
+              <a:t> </a:t>
+            </a:r>
+            <a:r>
+              <a:rPr/>
+              <a:t>a</a:t>
+            </a:r>
+            <a:r>
+              <a:rPr/>
+              <a:t> </a:t>
+            </a:r>
+            <a:r>
+              <a:rPr/>
+              <a:t>pre-tax</a:t>
+            </a:r>
+            <a:r>
+              <a:rPr/>
+              <a:t> </a:t>
+            </a:r>
+            <a:r>
+              <a:rPr/>
+              <a:t>contribution</a:t>
+            </a:r>
+            <a:r>
+              <a:rPr/>
+              <a:t> </a:t>
+            </a:r>
+            <a:r>
+              <a:rPr/>
+              <a:t>in</a:t>
+            </a:r>
+            <a:r>
+              <a:rPr/>
+              <a:t> </a:t>
+            </a:r>
+            <a:r>
+              <a:rPr/>
+              <a:t>that</a:t>
+            </a:r>
+            <a:r>
+              <a:rPr/>
+              <a:t> </a:t>
+            </a:r>
+            <a:r>
+              <a:rPr/>
+              <a:t>year.</a:t>
+            </a:r>
+            <a:r>
+              <a:rPr/>
+              <a:t> </a:t>
+            </a:r>
+            <a:r>
+              <a:rPr/>
+              <a:t>Source:</a:t>
+            </a:r>
+            <a:r>
+              <a:rPr/>
+              <a:t> </a:t>
+            </a:r>
+            <a:r>
+              <a:rPr/>
+              <a:t>ATO</a:t>
+            </a:r>
+            <a:r>
+              <a:rPr/>
+              <a:t> </a:t>
+            </a:r>
+            <a:r>
+              <a:rPr/>
+              <a:t>2017-18</a:t>
+            </a:r>
+            <a:r>
+              <a:rPr/>
+              <a:t> </a:t>
+            </a:r>
+            <a:r>
+              <a:rPr/>
+              <a:t>2%</a:t>
+            </a:r>
+            <a:r>
+              <a:rPr/>
+              <a:t> </a:t>
+            </a:r>
+            <a:r>
+              <a:rPr/>
+              <a:t>sample</a:t>
+            </a:r>
+            <a:r>
+              <a:rPr/>
+              <a:t> </a:t>
+            </a:r>
+            <a:r>
+              <a:rPr/>
+              <a:t>file</a:t>
             </a:r>
           </a:p>
           <a:p>
@@ -4148,8 +4562,8 @@
           </p:nvSpPr>
           <p:spPr>
             <a:xfrm>
-              <a:off x="997177" y="1463187"/>
-              <a:ext cx="7523684" cy="4763274"/>
+              <a:off x="997177" y="1463188"/>
+              <a:ext cx="7523684" cy="4044898"/>
             </a:xfrm>
             <a:prstGeom prst="rect">
               <a:avLst/>
@@ -4174,7 +4588,7 @@
           </p:nvSpPr>
           <p:spPr>
             <a:xfrm>
-              <a:off x="997177" y="6057202"/>
+              <a:off x="997177" y="5364354"/>
               <a:ext cx="7523684" cy="0"/>
             </a:xfrm>
             <a:custGeom>
@@ -4217,7 +4631,7 @@
           </p:nvSpPr>
           <p:spPr>
             <a:xfrm>
-              <a:off x="997177" y="4480333"/>
+              <a:off x="997177" y="4025301"/>
               <a:ext cx="7523684" cy="0"/>
             </a:xfrm>
             <a:custGeom>
@@ -4260,7 +4674,7 @@
           </p:nvSpPr>
           <p:spPr>
             <a:xfrm>
-              <a:off x="997177" y="2903464"/>
+              <a:off x="997177" y="2686248"/>
               <a:ext cx="7523684" cy="0"/>
             </a:xfrm>
             <a:custGeom>
@@ -4303,8 +4717,8 @@
           </p:nvSpPr>
           <p:spPr>
             <a:xfrm>
-              <a:off x="1107819" y="6057202"/>
-              <a:ext cx="663854" cy="169259"/>
+              <a:off x="1107819" y="5364354"/>
+              <a:ext cx="663854" cy="143732"/>
             </a:xfrm>
             <a:prstGeom prst="rect">
               <a:avLst/>
@@ -4338,8 +4752,8 @@
           </p:nvSpPr>
           <p:spPr>
             <a:xfrm>
-              <a:off x="1845435" y="5841162"/>
-              <a:ext cx="663854" cy="216039"/>
+              <a:off x="1845435" y="5180896"/>
+              <a:ext cx="663854" cy="183457"/>
             </a:xfrm>
             <a:prstGeom prst="rect">
               <a:avLst/>
@@ -4373,8 +4787,8 @@
           </p:nvSpPr>
           <p:spPr>
             <a:xfrm>
-              <a:off x="2583052" y="5569523"/>
-              <a:ext cx="663854" cy="487678"/>
+              <a:off x="2583052" y="4950224"/>
+              <a:ext cx="663854" cy="414129"/>
             </a:xfrm>
             <a:prstGeom prst="rect">
               <a:avLst/>
@@ -4408,8 +4822,8 @@
           </p:nvSpPr>
           <p:spPr>
             <a:xfrm>
-              <a:off x="3320668" y="5004921"/>
-              <a:ext cx="663854" cy="1052281"/>
+              <a:off x="3320668" y="4470773"/>
+              <a:ext cx="663854" cy="893581"/>
             </a:xfrm>
             <a:prstGeom prst="rect">
               <a:avLst/>
@@ -4443,8 +4857,8 @@
           </p:nvSpPr>
           <p:spPr>
             <a:xfrm>
-              <a:off x="4058284" y="4842530"/>
-              <a:ext cx="663854" cy="1214672"/>
+              <a:off x="4058284" y="4332873"/>
+              <a:ext cx="663854" cy="1031481"/>
             </a:xfrm>
             <a:prstGeom prst="rect">
               <a:avLst/>
@@ -4478,8 +4892,8 @@
           </p:nvSpPr>
           <p:spPr>
             <a:xfrm>
-              <a:off x="4795900" y="4642405"/>
-              <a:ext cx="663854" cy="1414796"/>
+              <a:off x="4795900" y="4162930"/>
+              <a:ext cx="663854" cy="1201423"/>
             </a:xfrm>
             <a:prstGeom prst="rect">
               <a:avLst/>
@@ -4513,8 +4927,8 @@
           </p:nvSpPr>
           <p:spPr>
             <a:xfrm>
-              <a:off x="5533516" y="4411773"/>
-              <a:ext cx="663854" cy="1645429"/>
+              <a:off x="5533516" y="3967081"/>
+              <a:ext cx="663854" cy="1397272"/>
             </a:xfrm>
             <a:prstGeom prst="rect">
               <a:avLst/>
@@ -4548,8 +4962,8 @@
           </p:nvSpPr>
           <p:spPr>
             <a:xfrm>
-              <a:off x="6271132" y="3729127"/>
-              <a:ext cx="663854" cy="2328075"/>
+              <a:off x="6271132" y="3387388"/>
+              <a:ext cx="663854" cy="1976965"/>
             </a:xfrm>
             <a:prstGeom prst="rect">
               <a:avLst/>
@@ -4583,8 +4997,8 @@
           </p:nvSpPr>
           <p:spPr>
             <a:xfrm>
-              <a:off x="7008748" y="3001849"/>
-              <a:ext cx="663854" cy="3055353"/>
+              <a:off x="7008748" y="2769795"/>
+              <a:ext cx="663854" cy="2594558"/>
             </a:xfrm>
             <a:prstGeom prst="rect">
               <a:avLst/>
@@ -4618,8 +5032,8 @@
           </p:nvSpPr>
           <p:spPr>
             <a:xfrm>
-              <a:off x="7746365" y="1533581"/>
-              <a:ext cx="663854" cy="4523621"/>
+              <a:off x="7746365" y="1522964"/>
+              <a:ext cx="663854" cy="3841389"/>
             </a:xfrm>
             <a:prstGeom prst="rect">
               <a:avLst/>
@@ -4653,7 +5067,7 @@
           </p:nvSpPr>
           <p:spPr>
             <a:xfrm>
-              <a:off x="767555" y="5971924"/>
+              <a:off x="767555" y="5279075"/>
               <a:ext cx="127136" cy="167096"/>
             </a:xfrm>
             <a:prstGeom prst="rect">
@@ -4699,7 +5113,7 @@
           </p:nvSpPr>
           <p:spPr>
             <a:xfrm>
-              <a:off x="640418" y="4395055"/>
+              <a:off x="640418" y="3940023"/>
               <a:ext cx="254272" cy="167096"/>
             </a:xfrm>
             <a:prstGeom prst="rect">
@@ -4745,7 +5159,7 @@
           </p:nvSpPr>
           <p:spPr>
             <a:xfrm>
-              <a:off x="640418" y="2818186"/>
+              <a:off x="640418" y="2600970"/>
               <a:ext cx="254272" cy="167096"/>
             </a:xfrm>
             <a:prstGeom prst="rect">
@@ -4791,7 +5205,7 @@
           </p:nvSpPr>
           <p:spPr>
             <a:xfrm>
-              <a:off x="997177" y="6226462"/>
+              <a:off x="997177" y="5508086"/>
               <a:ext cx="7523684" cy="0"/>
             </a:xfrm>
             <a:custGeom>
@@ -4831,7 +5245,7 @@
           </p:nvSpPr>
           <p:spPr>
             <a:xfrm>
-              <a:off x="1439747" y="6226462"/>
+              <a:off x="1439747" y="5508086"/>
               <a:ext cx="0" cy="56936"/>
             </a:xfrm>
             <a:custGeom>
@@ -4871,7 +5285,7 @@
           </p:nvSpPr>
           <p:spPr>
             <a:xfrm>
-              <a:off x="2177363" y="6226462"/>
+              <a:off x="2177363" y="5508086"/>
               <a:ext cx="0" cy="56936"/>
             </a:xfrm>
             <a:custGeom>
@@ -4911,7 +5325,7 @@
           </p:nvSpPr>
           <p:spPr>
             <a:xfrm>
-              <a:off x="2914979" y="6226462"/>
+              <a:off x="2914979" y="5508086"/>
               <a:ext cx="0" cy="56936"/>
             </a:xfrm>
             <a:custGeom>
@@ -4951,7 +5365,7 @@
           </p:nvSpPr>
           <p:spPr>
             <a:xfrm>
-              <a:off x="3652595" y="6226462"/>
+              <a:off x="3652595" y="5508086"/>
               <a:ext cx="0" cy="56936"/>
             </a:xfrm>
             <a:custGeom>
@@ -4991,7 +5405,7 @@
           </p:nvSpPr>
           <p:spPr>
             <a:xfrm>
-              <a:off x="4390211" y="6226462"/>
+              <a:off x="4390211" y="5508086"/>
               <a:ext cx="0" cy="56936"/>
             </a:xfrm>
             <a:custGeom>
@@ -5031,7 +5445,7 @@
           </p:nvSpPr>
           <p:spPr>
             <a:xfrm>
-              <a:off x="5127827" y="6226462"/>
+              <a:off x="5127827" y="5508086"/>
               <a:ext cx="0" cy="56936"/>
             </a:xfrm>
             <a:custGeom>
@@ -5071,7 +5485,7 @@
           </p:nvSpPr>
           <p:spPr>
             <a:xfrm>
-              <a:off x="5865443" y="6226462"/>
+              <a:off x="5865443" y="5508086"/>
               <a:ext cx="0" cy="56936"/>
             </a:xfrm>
             <a:custGeom>
@@ -5111,7 +5525,7 @@
           </p:nvSpPr>
           <p:spPr>
             <a:xfrm>
-              <a:off x="6603060" y="6226462"/>
+              <a:off x="6603060" y="5508086"/>
               <a:ext cx="0" cy="56936"/>
             </a:xfrm>
             <a:custGeom>
@@ -5151,7 +5565,7 @@
           </p:nvSpPr>
           <p:spPr>
             <a:xfrm>
-              <a:off x="7340676" y="6226462"/>
+              <a:off x="7340676" y="5508086"/>
               <a:ext cx="0" cy="56936"/>
             </a:xfrm>
             <a:custGeom>
@@ -5191,7 +5605,7 @@
           </p:nvSpPr>
           <p:spPr>
             <a:xfrm>
-              <a:off x="8078292" y="6226462"/>
+              <a:off x="8078292" y="5508086"/>
               <a:ext cx="0" cy="56936"/>
             </a:xfrm>
             <a:custGeom>
@@ -5231,7 +5645,7 @@
           </p:nvSpPr>
           <p:spPr>
             <a:xfrm>
-              <a:off x="1376178" y="6328278"/>
+              <a:off x="1376178" y="5609902"/>
               <a:ext cx="127136" cy="164306"/>
             </a:xfrm>
             <a:prstGeom prst="rect">
@@ -5277,7 +5691,7 @@
           </p:nvSpPr>
           <p:spPr>
             <a:xfrm>
-              <a:off x="2113794" y="6328278"/>
+              <a:off x="2113794" y="5609902"/>
               <a:ext cx="127136" cy="164306"/>
             </a:xfrm>
             <a:prstGeom prst="rect">
@@ -5323,7 +5737,7 @@
           </p:nvSpPr>
           <p:spPr>
             <a:xfrm>
-              <a:off x="2851411" y="6325376"/>
+              <a:off x="2851411" y="5607000"/>
               <a:ext cx="127136" cy="167208"/>
             </a:xfrm>
             <a:prstGeom prst="rect">
@@ -5369,7 +5783,7 @@
           </p:nvSpPr>
           <p:spPr>
             <a:xfrm>
-              <a:off x="3589027" y="6328948"/>
+              <a:off x="3589027" y="5610572"/>
               <a:ext cx="127136" cy="163636"/>
             </a:xfrm>
             <a:prstGeom prst="rect">
@@ -5415,7 +5829,7 @@
           </p:nvSpPr>
           <p:spPr>
             <a:xfrm>
-              <a:off x="4326643" y="6328389"/>
+              <a:off x="4326643" y="5610014"/>
               <a:ext cx="127136" cy="164194"/>
             </a:xfrm>
             <a:prstGeom prst="rect">
@@ -5461,7 +5875,7 @@
           </p:nvSpPr>
           <p:spPr>
             <a:xfrm>
-              <a:off x="5064259" y="6325487"/>
+              <a:off x="5064259" y="5607112"/>
               <a:ext cx="127136" cy="167096"/>
             </a:xfrm>
             <a:prstGeom prst="rect">
@@ -5507,7 +5921,7 @@
           </p:nvSpPr>
           <p:spPr>
             <a:xfrm>
-              <a:off x="5801875" y="6331068"/>
+              <a:off x="5801875" y="5612693"/>
               <a:ext cx="127136" cy="161515"/>
             </a:xfrm>
             <a:prstGeom prst="rect">
@@ -5553,7 +5967,7 @@
           </p:nvSpPr>
           <p:spPr>
             <a:xfrm>
-              <a:off x="6539491" y="6325487"/>
+              <a:off x="6539491" y="5607112"/>
               <a:ext cx="127136" cy="167096"/>
             </a:xfrm>
             <a:prstGeom prst="rect">
@@ -5599,7 +6013,7 @@
           </p:nvSpPr>
           <p:spPr>
             <a:xfrm>
-              <a:off x="7277107" y="6325487"/>
+              <a:off x="7277107" y="5607112"/>
               <a:ext cx="127136" cy="167096"/>
             </a:xfrm>
             <a:prstGeom prst="rect">
@@ -5645,7 +6059,7 @@
           </p:nvSpPr>
           <p:spPr>
             <a:xfrm>
-              <a:off x="7951155" y="6325487"/>
+              <a:off x="7951155" y="5607112"/>
               <a:ext cx="254272" cy="167096"/>
             </a:xfrm>
             <a:prstGeom prst="rect">
@@ -5691,7 +6105,7 @@
           </p:nvSpPr>
           <p:spPr>
             <a:xfrm>
-              <a:off x="4441401" y="6594950"/>
+              <a:off x="4441401" y="5876575"/>
               <a:ext cx="635235" cy="166315"/>
             </a:xfrm>
             <a:prstGeom prst="rect">
@@ -5725,6 +6139,190 @@
                   <a:cs typeface="Arial"/>
                 </a:rPr>
                 <a:t>Decile</a:t>
+              </a:r>
+            </a:p>
+          </p:txBody>
+        </p:sp>
+        <p:sp>
+          <p:nvSpPr>
+            <p:cNvPr id="46" name="tx44"/>
+            <p:cNvSpPr/>
+            <p:nvPr/>
+          </p:nvSpPr>
+          <p:spPr>
+            <a:xfrm>
+              <a:off x="640418" y="6252538"/>
+              <a:ext cx="8053709" cy="119067"/>
+            </a:xfrm>
+            <a:prstGeom prst="rect">
+              <a:avLst/>
+            </a:prstGeom>
+            <a:noFill/>
+          </p:spPr>
+          <p:txBody>
+            <a:bodyPr lIns="0" rIns="0" tIns="0" bIns="0" anchorCtr="1" anchor="ctr" wrap="none"/>
+            <a:lstStyle/>
+            <a:p>
+              <a:pPr algn="l" marL="0" marR="0" indent="0">
+                <a:lnSpc>
+                  <a:spcPts val="999"/>
+                </a:lnSpc>
+                <a:spcBef>
+                  <a:spcPts val="0"/>
+                </a:spcBef>
+                <a:spcAft>
+                  <a:spcPts val="0"/>
+                </a:spcAft>
+              </a:pPr>
+              <a:r>
+                <a:rPr sz="999" i="1">
+                  <a:solidFill>
+                    <a:srgbClr val="000000">
+                      <a:alpha val="100000"/>
+                    </a:srgbClr>
+                  </a:solidFill>
+                  <a:latin typeface="Arial"/>
+                  <a:cs typeface="Arial"/>
+                </a:rPr>
+                <a:t>Notes: Value of tax breaks calculated against a comprehensiveincome tax benchmark. Deciles sorted by taxable income.Projections to 2020-21</a:t>
+              </a:r>
+            </a:p>
+          </p:txBody>
+        </p:sp>
+        <p:sp>
+          <p:nvSpPr>
+            <p:cNvPr id="47" name="tx45"/>
+            <p:cNvSpPr/>
+            <p:nvPr/>
+          </p:nvSpPr>
+          <p:spPr>
+            <a:xfrm>
+              <a:off x="640418" y="6389561"/>
+              <a:ext cx="7672904" cy="119067"/>
+            </a:xfrm>
+            <a:prstGeom prst="rect">
+              <a:avLst/>
+            </a:prstGeom>
+            <a:noFill/>
+          </p:spPr>
+          <p:txBody>
+            <a:bodyPr lIns="0" rIns="0" tIns="0" bIns="0" anchorCtr="1" anchor="ctr" wrap="none"/>
+            <a:lstStyle/>
+            <a:p>
+              <a:pPr algn="l" marL="0" marR="0" indent="0">
+                <a:lnSpc>
+                  <a:spcPts val="999"/>
+                </a:lnSpc>
+                <a:spcBef>
+                  <a:spcPts val="0"/>
+                </a:spcBef>
+                <a:spcAft>
+                  <a:spcPts val="0"/>
+                </a:spcAft>
+              </a:pPr>
+              <a:r>
+                <a:rPr sz="999" i="1">
+                  <a:solidFill>
+                    <a:srgbClr val="000000">
+                      <a:alpha val="100000"/>
+                    </a:srgbClr>
+                  </a:solidFill>
+                  <a:latin typeface="Arial"/>
+                  <a:cs typeface="Arial"/>
+                </a:rPr>
+                <a:t>assume 2% wage growth and 0% growth in the number of taxfilers from 2019-20 to 2020-21 Only includes taxpayers that made a pre-tax</a:t>
+              </a:r>
+            </a:p>
+          </p:txBody>
+        </p:sp>
+        <p:sp>
+          <p:nvSpPr>
+            <p:cNvPr id="48" name="tx46"/>
+            <p:cNvSpPr/>
+            <p:nvPr/>
+          </p:nvSpPr>
+          <p:spPr>
+            <a:xfrm>
+              <a:off x="640418" y="6528133"/>
+              <a:ext cx="1354096" cy="117518"/>
+            </a:xfrm>
+            <a:prstGeom prst="rect">
+              <a:avLst/>
+            </a:prstGeom>
+            <a:noFill/>
+          </p:spPr>
+          <p:txBody>
+            <a:bodyPr lIns="0" rIns="0" tIns="0" bIns="0" anchorCtr="1" anchor="ctr" wrap="none"/>
+            <a:lstStyle/>
+            <a:p>
+              <a:pPr algn="l" marL="0" marR="0" indent="0">
+                <a:lnSpc>
+                  <a:spcPts val="999"/>
+                </a:lnSpc>
+                <a:spcBef>
+                  <a:spcPts val="0"/>
+                </a:spcBef>
+                <a:spcAft>
+                  <a:spcPts val="0"/>
+                </a:spcAft>
+              </a:pPr>
+              <a:r>
+                <a:rPr sz="999" i="1">
+                  <a:solidFill>
+                    <a:srgbClr val="000000">
+                      <a:alpha val="100000"/>
+                    </a:srgbClr>
+                  </a:solidFill>
+                  <a:latin typeface="Arial"/>
+                  <a:cs typeface="Arial"/>
+                </a:rPr>
+                <a:t>contribution in that year.</a:t>
+              </a:r>
+            </a:p>
+          </p:txBody>
+        </p:sp>
+        <p:sp>
+          <p:nvSpPr>
+            <p:cNvPr id="49" name="tx47"/>
+            <p:cNvSpPr/>
+            <p:nvPr/>
+          </p:nvSpPr>
+          <p:spPr>
+            <a:xfrm>
+              <a:off x="640418" y="6665094"/>
+              <a:ext cx="2094457" cy="117580"/>
+            </a:xfrm>
+            <a:prstGeom prst="rect">
+              <a:avLst/>
+            </a:prstGeom>
+            <a:noFill/>
+          </p:spPr>
+          <p:txBody>
+            <a:bodyPr lIns="0" rIns="0" tIns="0" bIns="0" anchorCtr="1" anchor="ctr" wrap="none"/>
+            <a:lstStyle/>
+            <a:p>
+              <a:pPr algn="l" marL="0" marR="0" indent="0">
+                <a:lnSpc>
+                  <a:spcPts val="999"/>
+                </a:lnSpc>
+                <a:spcBef>
+                  <a:spcPts val="0"/>
+                </a:spcBef>
+                <a:spcAft>
+                  <a:spcPts val="0"/>
+                </a:spcAft>
+              </a:pPr>
+              <a:r>
+                <a:rPr sz="999" i="1">
+                  <a:solidFill>
+                    <a:srgbClr val="000000">
+                      <a:alpha val="100000"/>
+                    </a:srgbClr>
+                  </a:solidFill>
+                  <a:latin typeface="Arial"/>
+                  <a:cs typeface="Arial"/>
+                </a:rPr>
+                <a:t>Source: ATO 2017-18 2% sample file</a:t>
               </a:r>
             </a:p>
           </p:txBody>

--- a/Figure-3-1/Figure31/Figure31_fullslide.pptx
+++ b/Figure-3-1/Figure31/Figure31_fullslide.pptx
@@ -702,7 +702,15 @@
             </a:r>
             <a:r>
               <a:rPr/>
-              <a:t>comprehensiveincome</a:t>
+              <a:t>comprehensive</a:t>
+            </a:r>
+            <a:r>
+              <a:rPr/>
+              <a:t> </a:t>
+            </a:r>
+            <a:r>
+              <a:rPr/>
+              <a:t>income</a:t>
             </a:r>
             <a:r>
               <a:rPr/>
@@ -758,7 +766,455 @@
             </a:r>
             <a:r>
               <a:rPr/>
-              <a:t>income.Projections</a:t>
+              <a:t>income.Superannuation</a:t>
+            </a:r>
+            <a:r>
+              <a:rPr/>
+              <a:t> </a:t>
+            </a:r>
+            <a:r>
+              <a:rPr/>
+              <a:t>tax</a:t>
+            </a:r>
+            <a:r>
+              <a:rPr/>
+              <a:t> </a:t>
+            </a:r>
+            <a:r>
+              <a:rPr/>
+              <a:t>breaks</a:t>
+            </a:r>
+            <a:r>
+              <a:rPr/>
+              <a:t> </a:t>
+            </a:r>
+            <a:r>
+              <a:rPr/>
+              <a:t>includes</a:t>
+            </a:r>
+            <a:r>
+              <a:rPr/>
+              <a:t> </a:t>
+            </a:r>
+            <a:r>
+              <a:rPr/>
+              <a:t>concessional</a:t>
+            </a:r>
+            <a:r>
+              <a:rPr/>
+              <a:t> </a:t>
+            </a:r>
+            <a:r>
+              <a:rPr/>
+              <a:t>taxes</a:t>
+            </a:r>
+            <a:r>
+              <a:rPr/>
+              <a:t> </a:t>
+            </a:r>
+            <a:r>
+              <a:rPr/>
+              <a:t>for</a:t>
+            </a:r>
+            <a:r>
+              <a:rPr/>
+              <a:t> </a:t>
+            </a:r>
+            <a:r>
+              <a:rPr/>
+              <a:t>contributions</a:t>
+            </a:r>
+            <a:r>
+              <a:rPr/>
+              <a:t> </a:t>
+            </a:r>
+            <a:r>
+              <a:rPr/>
+              <a:t>and</a:t>
+            </a:r>
+            <a:r>
+              <a:rPr/>
+              <a:t> </a:t>
+            </a:r>
+            <a:r>
+              <a:rPr/>
+              <a:t>earnings,</a:t>
+            </a:r>
+            <a:r>
+              <a:rPr/>
+              <a:t> </a:t>
+            </a:r>
+            <a:r>
+              <a:rPr/>
+              <a:t>taking</a:t>
+            </a:r>
+            <a:r>
+              <a:rPr/>
+              <a:t> </a:t>
+            </a:r>
+            <a:r>
+              <a:rPr/>
+              <a:t>into</a:t>
+            </a:r>
+            <a:r>
+              <a:rPr/>
+              <a:t> </a:t>
+            </a:r>
+            <a:r>
+              <a:rPr/>
+              <a:t>account</a:t>
+            </a:r>
+            <a:r>
+              <a:rPr/>
+              <a:t> </a:t>
+            </a:r>
+            <a:r>
+              <a:rPr/>
+              <a:t>LISTO.</a:t>
+            </a:r>
+            <a:r>
+              <a:rPr/>
+              <a:t> </a:t>
+            </a:r>
+            <a:r>
+              <a:rPr/>
+              <a:t>Assumes</a:t>
+            </a:r>
+            <a:r>
+              <a:rPr/>
+              <a:t> </a:t>
+            </a:r>
+            <a:r>
+              <a:rPr/>
+              <a:t>5%</a:t>
+            </a:r>
+            <a:r>
+              <a:rPr/>
+              <a:t> </a:t>
+            </a:r>
+            <a:r>
+              <a:rPr/>
+              <a:t>earnings</a:t>
+            </a:r>
+            <a:r>
+              <a:rPr/>
+              <a:t> </a:t>
+            </a:r>
+            <a:r>
+              <a:rPr/>
+              <a:t>in</a:t>
+            </a:r>
+            <a:r>
+              <a:rPr/>
+              <a:t> </a:t>
+            </a:r>
+            <a:r>
+              <a:rPr/>
+              <a:t>retirement</a:t>
+            </a:r>
+            <a:r>
+              <a:rPr/>
+              <a:t> </a:t>
+            </a:r>
+            <a:r>
+              <a:rPr/>
+              <a:t>and</a:t>
+            </a:r>
+            <a:r>
+              <a:rPr/>
+              <a:t> </a:t>
+            </a:r>
+            <a:r>
+              <a:rPr/>
+              <a:t>7%</a:t>
+            </a:r>
+            <a:r>
+              <a:rPr/>
+              <a:t> </a:t>
+            </a:r>
+            <a:r>
+              <a:rPr/>
+              <a:t>earnings</a:t>
+            </a:r>
+            <a:r>
+              <a:rPr/>
+              <a:t> </a:t>
+            </a:r>
+            <a:r>
+              <a:rPr/>
+              <a:t>in</a:t>
+            </a:r>
+            <a:r>
+              <a:rPr/>
+              <a:t> </a:t>
+            </a:r>
+            <a:r>
+              <a:rPr/>
+              <a:t>accumulation;</a:t>
+            </a:r>
+            <a:r>
+              <a:rPr/>
+              <a:t> </a:t>
+            </a:r>
+            <a:r>
+              <a:rPr/>
+              <a:t>assumes</a:t>
+            </a:r>
+            <a:r>
+              <a:rPr/>
+              <a:t> </a:t>
+            </a:r>
+            <a:r>
+              <a:rPr/>
+              <a:t>that</a:t>
+            </a:r>
+            <a:r>
+              <a:rPr/>
+              <a:t> </a:t>
+            </a:r>
+            <a:r>
+              <a:rPr/>
+              <a:t>the</a:t>
+            </a:r>
+            <a:r>
+              <a:rPr/>
+              <a:t> </a:t>
+            </a:r>
+            <a:r>
+              <a:rPr/>
+              <a:t>effective</a:t>
+            </a:r>
+            <a:r>
+              <a:rPr/>
+              <a:t> </a:t>
+            </a:r>
+            <a:r>
+              <a:rPr/>
+              <a:t>tax</a:t>
+            </a:r>
+            <a:r>
+              <a:rPr/>
+              <a:t> </a:t>
+            </a:r>
+            <a:r>
+              <a:rPr/>
+              <a:t>on</a:t>
+            </a:r>
+            <a:r>
+              <a:rPr/>
+              <a:t> </a:t>
+            </a:r>
+            <a:r>
+              <a:rPr/>
+              <a:t>earnings</a:t>
+            </a:r>
+            <a:r>
+              <a:rPr/>
+              <a:t> </a:t>
+            </a:r>
+            <a:r>
+              <a:rPr/>
+              <a:t>is</a:t>
+            </a:r>
+            <a:r>
+              <a:rPr/>
+              <a:t> </a:t>
+            </a:r>
+            <a:r>
+              <a:rPr/>
+              <a:t>10%</a:t>
+            </a:r>
+            <a:r>
+              <a:rPr/>
+              <a:t> </a:t>
+            </a:r>
+            <a:r>
+              <a:rPr/>
+              <a:t>assumes,</a:t>
+            </a:r>
+            <a:r>
+              <a:rPr/>
+              <a:t> </a:t>
+            </a:r>
+            <a:r>
+              <a:rPr/>
+              <a:t>if</a:t>
+            </a:r>
+            <a:r>
+              <a:rPr/>
+              <a:t> </a:t>
+            </a:r>
+            <a:r>
+              <a:rPr/>
+              <a:t>earnings</a:t>
+            </a:r>
+            <a:r>
+              <a:rPr/>
+              <a:t> </a:t>
+            </a:r>
+            <a:r>
+              <a:rPr/>
+              <a:t>taxes</a:t>
+            </a:r>
+            <a:r>
+              <a:rPr/>
+              <a:t> </a:t>
+            </a:r>
+            <a:r>
+              <a:rPr/>
+              <a:t>were</a:t>
+            </a:r>
+            <a:r>
+              <a:rPr/>
+              <a:t> </a:t>
+            </a:r>
+            <a:r>
+              <a:rPr/>
+              <a:t>abolished,</a:t>
+            </a:r>
+            <a:r>
+              <a:rPr/>
+              <a:t> </a:t>
+            </a:r>
+            <a:r>
+              <a:rPr/>
+              <a:t>taxfilers</a:t>
+            </a:r>
+            <a:r>
+              <a:rPr/>
+              <a:t> </a:t>
+            </a:r>
+            <a:r>
+              <a:rPr/>
+              <a:t>would</a:t>
+            </a:r>
+            <a:r>
+              <a:rPr/>
+              <a:t> </a:t>
+            </a:r>
+            <a:r>
+              <a:rPr/>
+              <a:t>put</a:t>
+            </a:r>
+            <a:r>
+              <a:rPr/>
+              <a:t> </a:t>
+            </a:r>
+            <a:r>
+              <a:rPr/>
+              <a:t>80%</a:t>
+            </a:r>
+            <a:r>
+              <a:rPr/>
+              <a:t> </a:t>
+            </a:r>
+            <a:r>
+              <a:rPr/>
+              <a:t>of</a:t>
+            </a:r>
+            <a:r>
+              <a:rPr/>
+              <a:t> </a:t>
+            </a:r>
+            <a:r>
+              <a:rPr/>
+              <a:t>earnings</a:t>
+            </a:r>
+            <a:r>
+              <a:rPr/>
+              <a:t> </a:t>
+            </a:r>
+            <a:r>
+              <a:rPr/>
+              <a:t>income</a:t>
+            </a:r>
+            <a:r>
+              <a:rPr/>
+              <a:t> </a:t>
+            </a:r>
+            <a:r>
+              <a:rPr/>
+              <a:t>into</a:t>
+            </a:r>
+            <a:r>
+              <a:rPr/>
+              <a:t> </a:t>
+            </a:r>
+            <a:r>
+              <a:rPr/>
+              <a:t>assets</a:t>
+            </a:r>
+            <a:r>
+              <a:rPr/>
+              <a:t> </a:t>
+            </a:r>
+            <a:r>
+              <a:rPr/>
+              <a:t>that</a:t>
+            </a:r>
+            <a:r>
+              <a:rPr/>
+              <a:t> </a:t>
+            </a:r>
+            <a:r>
+              <a:rPr/>
+              <a:t>would</a:t>
+            </a:r>
+            <a:r>
+              <a:rPr/>
+              <a:t> </a:t>
+            </a:r>
+            <a:r>
+              <a:rPr/>
+              <a:t>enjoy</a:t>
+            </a:r>
+            <a:r>
+              <a:rPr/>
+              <a:t> </a:t>
+            </a:r>
+            <a:r>
+              <a:rPr/>
+              <a:t>the</a:t>
+            </a:r>
+            <a:r>
+              <a:rPr/>
+              <a:t> </a:t>
+            </a:r>
+            <a:r>
+              <a:rPr/>
+              <a:t>capital</a:t>
+            </a:r>
+            <a:r>
+              <a:rPr/>
+              <a:t> </a:t>
+            </a:r>
+            <a:r>
+              <a:rPr/>
+              <a:t>gains</a:t>
+            </a:r>
+            <a:r>
+              <a:rPr/>
+              <a:t> </a:t>
+            </a:r>
+            <a:r>
+              <a:rPr/>
+              <a:t>tax</a:t>
+            </a:r>
+            <a:r>
+              <a:rPr/>
+              <a:t> </a:t>
+            </a:r>
+            <a:r>
+              <a:rPr/>
+              <a:t>discount;</a:t>
+            </a:r>
+            <a:r>
+              <a:rPr/>
+              <a:t> </a:t>
+            </a:r>
+            <a:r>
+              <a:rPr/>
+              <a:t>Projections</a:t>
             </a:r>
             <a:r>
               <a:rPr/>
@@ -4562,8 +5018,8 @@
           </p:nvSpPr>
           <p:spPr>
             <a:xfrm>
-              <a:off x="997177" y="1463188"/>
-              <a:ext cx="7523684" cy="4044898"/>
+              <a:off x="997177" y="1463187"/>
+              <a:ext cx="7523684" cy="3770853"/>
             </a:xfrm>
             <a:prstGeom prst="rect">
               <a:avLst/>
@@ -4588,7 +5044,7 @@
           </p:nvSpPr>
           <p:spPr>
             <a:xfrm>
-              <a:off x="997177" y="5364354"/>
+              <a:off x="997177" y="5234041"/>
               <a:ext cx="7523684" cy="0"/>
             </a:xfrm>
             <a:custGeom>
@@ -4631,7 +5087,7 @@
           </p:nvSpPr>
           <p:spPr>
             <a:xfrm>
-              <a:off x="997177" y="4025301"/>
+              <a:off x="997177" y="4087644"/>
               <a:ext cx="7523684" cy="0"/>
             </a:xfrm>
             <a:custGeom>
@@ -4674,7 +5130,7 @@
           </p:nvSpPr>
           <p:spPr>
             <a:xfrm>
-              <a:off x="997177" y="2686248"/>
+              <a:off x="997177" y="2941247"/>
               <a:ext cx="7523684" cy="0"/>
             </a:xfrm>
             <a:custGeom>
@@ -4711,31 +5167,39 @@
         </p:sp>
         <p:sp>
           <p:nvSpPr>
-            <p:cNvPr id="11" name="rc9"/>
+            <p:cNvPr id="11" name="pl9"/>
             <p:cNvSpPr/>
             <p:nvPr/>
           </p:nvSpPr>
           <p:spPr>
             <a:xfrm>
-              <a:off x="1107819" y="5364354"/>
-              <a:ext cx="663854" cy="143732"/>
+              <a:off x="997177" y="1794851"/>
+              <a:ext cx="7523684" cy="0"/>
             </a:xfrm>
-            <a:prstGeom prst="rect">
+            <a:custGeom>
               <a:avLst/>
-            </a:prstGeom>
-            <a:solidFill>
-              <a:srgbClr val="F68B33">
-                <a:alpha val="100000"/>
-              </a:srgbClr>
-            </a:solidFill>
-            <a:ln w="7143" cap="sq">
+              <a:pathLst>
+                <a:path w="7523684" h="0">
+                  <a:moveTo>
+                    <a:pt x="0" y="0"/>
+                  </a:moveTo>
+                  <a:lnTo>
+                    <a:pt x="7523684" y="0"/>
+                  </a:lnTo>
+                  <a:lnTo>
+                    <a:pt x="7523684" y="0"/>
+                  </a:lnTo>
+                </a:path>
+              </a:pathLst>
+            </a:custGeom>
+            <a:ln w="7143" cap="flat">
               <a:solidFill>
-                <a:srgbClr val="FFFFFF">
+                <a:srgbClr val="C3C7CB">
                   <a:alpha val="100000"/>
                 </a:srgbClr>
               </a:solidFill>
               <a:prstDash val="solid"/>
-              <a:miter/>
+              <a:round/>
             </a:ln>
           </p:spPr>
           <p:txBody>
@@ -4752,8 +5216,8 @@
           </p:nvSpPr>
           <p:spPr>
             <a:xfrm>
-              <a:off x="1845435" y="5180896"/>
-              <a:ext cx="663854" cy="183457"/>
+              <a:off x="1107819" y="5137162"/>
+              <a:ext cx="663854" cy="96878"/>
             </a:xfrm>
             <a:prstGeom prst="rect">
               <a:avLst/>
@@ -4787,8 +5251,8 @@
           </p:nvSpPr>
           <p:spPr>
             <a:xfrm>
-              <a:off x="2583052" y="4950224"/>
-              <a:ext cx="663854" cy="414129"/>
+              <a:off x="1845435" y="4869108"/>
+              <a:ext cx="663854" cy="364932"/>
             </a:xfrm>
             <a:prstGeom prst="rect">
               <a:avLst/>
@@ -4822,8 +5286,8 @@
           </p:nvSpPr>
           <p:spPr>
             <a:xfrm>
-              <a:off x="3320668" y="4470773"/>
-              <a:ext cx="663854" cy="893581"/>
+              <a:off x="2583052" y="4737691"/>
+              <a:ext cx="663854" cy="496349"/>
             </a:xfrm>
             <a:prstGeom prst="rect">
               <a:avLst/>
@@ -4857,8 +5321,8 @@
           </p:nvSpPr>
           <p:spPr>
             <a:xfrm>
-              <a:off x="4058284" y="4332873"/>
-              <a:ext cx="663854" cy="1031481"/>
+              <a:off x="3320668" y="4559573"/>
+              <a:ext cx="663854" cy="674467"/>
             </a:xfrm>
             <a:prstGeom prst="rect">
               <a:avLst/>
@@ -4892,8 +5356,8 @@
           </p:nvSpPr>
           <p:spPr>
             <a:xfrm>
-              <a:off x="4795900" y="4162930"/>
-              <a:ext cx="663854" cy="1201423"/>
+              <a:off x="4058284" y="4496186"/>
+              <a:ext cx="663854" cy="737854"/>
             </a:xfrm>
             <a:prstGeom prst="rect">
               <a:avLst/>
@@ -4927,8 +5391,8 @@
           </p:nvSpPr>
           <p:spPr>
             <a:xfrm>
-              <a:off x="5533516" y="3967081"/>
-              <a:ext cx="663854" cy="1397272"/>
+              <a:off x="4795900" y="4365922"/>
+              <a:ext cx="663854" cy="868118"/>
             </a:xfrm>
             <a:prstGeom prst="rect">
               <a:avLst/>
@@ -4962,8 +5426,8 @@
           </p:nvSpPr>
           <p:spPr>
             <a:xfrm>
-              <a:off x="6271132" y="3387388"/>
-              <a:ext cx="663854" cy="1976965"/>
+              <a:off x="5533516" y="4207995"/>
+              <a:ext cx="663854" cy="1026045"/>
             </a:xfrm>
             <a:prstGeom prst="rect">
               <a:avLst/>
@@ -4997,8 +5461,8 @@
           </p:nvSpPr>
           <p:spPr>
             <a:xfrm>
-              <a:off x="7008748" y="2769795"/>
-              <a:ext cx="663854" cy="2594558"/>
+              <a:off x="6271132" y="3743427"/>
+              <a:ext cx="663854" cy="1490613"/>
             </a:xfrm>
             <a:prstGeom prst="rect">
               <a:avLst/>
@@ -5032,8 +5496,8 @@
           </p:nvSpPr>
           <p:spPr>
             <a:xfrm>
-              <a:off x="7746365" y="1522964"/>
-              <a:ext cx="663854" cy="3841389"/>
+              <a:off x="7008748" y="3240461"/>
+              <a:ext cx="663854" cy="1993579"/>
             </a:xfrm>
             <a:prstGeom prst="rect">
               <a:avLst/>
@@ -5061,13 +5525,48 @@
         </p:sp>
         <p:sp>
           <p:nvSpPr>
-            <p:cNvPr id="21" name="tx19"/>
+            <p:cNvPr id="21" name="rc19"/>
             <p:cNvSpPr/>
             <p:nvPr/>
           </p:nvSpPr>
           <p:spPr>
             <a:xfrm>
-              <a:off x="767555" y="5279075"/>
+              <a:off x="7746365" y="1518914"/>
+              <a:ext cx="663854" cy="3715126"/>
+            </a:xfrm>
+            <a:prstGeom prst="rect">
+              <a:avLst/>
+            </a:prstGeom>
+            <a:solidFill>
+              <a:srgbClr val="F68B33">
+                <a:alpha val="100000"/>
+              </a:srgbClr>
+            </a:solidFill>
+            <a:ln w="7143" cap="sq">
+              <a:solidFill>
+                <a:srgbClr val="FFFFFF">
+                  <a:alpha val="100000"/>
+                </a:srgbClr>
+              </a:solidFill>
+              <a:prstDash val="solid"/>
+              <a:miter/>
+            </a:ln>
+          </p:spPr>
+          <p:txBody>
+            <a:bodyPr/>
+            <a:lstStyle/>
+            <a:p/>
+          </p:txBody>
+        </p:sp>
+        <p:sp>
+          <p:nvSpPr>
+            <p:cNvPr id="22" name="tx20"/>
+            <p:cNvSpPr/>
+            <p:nvPr/>
+          </p:nvSpPr>
+          <p:spPr>
+            <a:xfrm>
+              <a:off x="767555" y="5148762"/>
               <a:ext cx="127136" cy="167096"/>
             </a:xfrm>
             <a:prstGeom prst="rect">
@@ -5107,13 +5606,13 @@
         </p:sp>
         <p:sp>
           <p:nvSpPr>
-            <p:cNvPr id="22" name="tx20"/>
+            <p:cNvPr id="23" name="tx21"/>
             <p:cNvSpPr/>
             <p:nvPr/>
           </p:nvSpPr>
           <p:spPr>
             <a:xfrm>
-              <a:off x="640418" y="3940023"/>
+              <a:off x="640418" y="4002366"/>
               <a:ext cx="254272" cy="167096"/>
             </a:xfrm>
             <a:prstGeom prst="rect">
@@ -5153,13 +5652,13 @@
         </p:sp>
         <p:sp>
           <p:nvSpPr>
-            <p:cNvPr id="23" name="tx21"/>
+            <p:cNvPr id="24" name="tx22"/>
             <p:cNvSpPr/>
             <p:nvPr/>
           </p:nvSpPr>
           <p:spPr>
             <a:xfrm>
-              <a:off x="640418" y="2600970"/>
+              <a:off x="640418" y="2855969"/>
               <a:ext cx="254272" cy="167096"/>
             </a:xfrm>
             <a:prstGeom prst="rect">
@@ -5199,13 +5698,59 @@
         </p:sp>
         <p:sp>
           <p:nvSpPr>
-            <p:cNvPr id="24" name="pl22"/>
+            <p:cNvPr id="25" name="tx23"/>
             <p:cNvSpPr/>
             <p:nvPr/>
           </p:nvSpPr>
           <p:spPr>
             <a:xfrm>
-              <a:off x="997177" y="5508086"/>
+              <a:off x="640418" y="1709461"/>
+              <a:ext cx="254272" cy="167208"/>
+            </a:xfrm>
+            <a:prstGeom prst="rect">
+              <a:avLst/>
+            </a:prstGeom>
+            <a:noFill/>
+          </p:spPr>
+          <p:txBody>
+            <a:bodyPr lIns="0" rIns="0" tIns="0" bIns="0" anchorCtr="1" anchor="ctr" wrap="none"/>
+            <a:lstStyle/>
+            <a:p>
+              <a:pPr algn="l" marL="0" marR="0" indent="0">
+                <a:lnSpc>
+                  <a:spcPts val="1800"/>
+                </a:lnSpc>
+                <a:spcBef>
+                  <a:spcPts val="0"/>
+                </a:spcBef>
+                <a:spcAft>
+                  <a:spcPts val="0"/>
+                </a:spcAft>
+              </a:pPr>
+              <a:r>
+                <a:rPr sz="1800">
+                  <a:solidFill>
+                    <a:srgbClr val="000000">
+                      <a:alpha val="100000"/>
+                    </a:srgbClr>
+                  </a:solidFill>
+                  <a:latin typeface="Arial"/>
+                  <a:cs typeface="Arial"/>
+                </a:rPr>
+                <a:t>30</a:t>
+              </a:r>
+            </a:p>
+          </p:txBody>
+        </p:sp>
+        <p:sp>
+          <p:nvSpPr>
+            <p:cNvPr id="26" name="pl24"/>
+            <p:cNvSpPr/>
+            <p:nvPr/>
+          </p:nvSpPr>
+          <p:spPr>
+            <a:xfrm>
+              <a:off x="997177" y="5234041"/>
               <a:ext cx="7523684" cy="0"/>
             </a:xfrm>
             <a:custGeom>
@@ -5239,93 +5784,13 @@
         </p:sp>
         <p:sp>
           <p:nvSpPr>
-            <p:cNvPr id="25" name="pl23"/>
-            <p:cNvSpPr/>
-            <p:nvPr/>
-          </p:nvSpPr>
-          <p:spPr>
-            <a:xfrm>
-              <a:off x="1439747" y="5508086"/>
-              <a:ext cx="0" cy="56936"/>
-            </a:xfrm>
-            <a:custGeom>
-              <a:avLst/>
-              <a:pathLst>
-                <a:path w="0" h="56936">
-                  <a:moveTo>
-                    <a:pt x="0" y="56936"/>
-                  </a:moveTo>
-                  <a:lnTo>
-                    <a:pt x="0" y="0"/>
-                  </a:lnTo>
-                </a:path>
-              </a:pathLst>
-            </a:custGeom>
-            <a:ln w="7143" cap="flat">
-              <a:solidFill>
-                <a:srgbClr val="000000">
-                  <a:alpha val="100000"/>
-                </a:srgbClr>
-              </a:solidFill>
-              <a:prstDash val="solid"/>
-              <a:round/>
-            </a:ln>
-          </p:spPr>
-          <p:txBody>
-            <a:bodyPr/>
-            <a:lstStyle/>
-            <a:p/>
-          </p:txBody>
-        </p:sp>
-        <p:sp>
-          <p:nvSpPr>
-            <p:cNvPr id="26" name="pl24"/>
-            <p:cNvSpPr/>
-            <p:nvPr/>
-          </p:nvSpPr>
-          <p:spPr>
-            <a:xfrm>
-              <a:off x="2177363" y="5508086"/>
-              <a:ext cx="0" cy="56936"/>
-            </a:xfrm>
-            <a:custGeom>
-              <a:avLst/>
-              <a:pathLst>
-                <a:path w="0" h="56936">
-                  <a:moveTo>
-                    <a:pt x="0" y="56936"/>
-                  </a:moveTo>
-                  <a:lnTo>
-                    <a:pt x="0" y="0"/>
-                  </a:lnTo>
-                </a:path>
-              </a:pathLst>
-            </a:custGeom>
-            <a:ln w="7143" cap="flat">
-              <a:solidFill>
-                <a:srgbClr val="000000">
-                  <a:alpha val="100000"/>
-                </a:srgbClr>
-              </a:solidFill>
-              <a:prstDash val="solid"/>
-              <a:round/>
-            </a:ln>
-          </p:spPr>
-          <p:txBody>
-            <a:bodyPr/>
-            <a:lstStyle/>
-            <a:p/>
-          </p:txBody>
-        </p:sp>
-        <p:sp>
-          <p:nvSpPr>
             <p:cNvPr id="27" name="pl25"/>
             <p:cNvSpPr/>
             <p:nvPr/>
           </p:nvSpPr>
           <p:spPr>
             <a:xfrm>
-              <a:off x="2914979" y="5508086"/>
+              <a:off x="1439747" y="5234041"/>
               <a:ext cx="0" cy="56936"/>
             </a:xfrm>
             <a:custGeom>
@@ -5365,7 +5830,7 @@
           </p:nvSpPr>
           <p:spPr>
             <a:xfrm>
-              <a:off x="3652595" y="5508086"/>
+              <a:off x="2177363" y="5234041"/>
               <a:ext cx="0" cy="56936"/>
             </a:xfrm>
             <a:custGeom>
@@ -5405,7 +5870,7 @@
           </p:nvSpPr>
           <p:spPr>
             <a:xfrm>
-              <a:off x="4390211" y="5508086"/>
+              <a:off x="2914979" y="5234041"/>
               <a:ext cx="0" cy="56936"/>
             </a:xfrm>
             <a:custGeom>
@@ -5445,7 +5910,7 @@
           </p:nvSpPr>
           <p:spPr>
             <a:xfrm>
-              <a:off x="5127827" y="5508086"/>
+              <a:off x="3652595" y="5234041"/>
               <a:ext cx="0" cy="56936"/>
             </a:xfrm>
             <a:custGeom>
@@ -5485,7 +5950,7 @@
           </p:nvSpPr>
           <p:spPr>
             <a:xfrm>
-              <a:off x="5865443" y="5508086"/>
+              <a:off x="4390211" y="5234041"/>
               <a:ext cx="0" cy="56936"/>
             </a:xfrm>
             <a:custGeom>
@@ -5525,7 +5990,7 @@
           </p:nvSpPr>
           <p:spPr>
             <a:xfrm>
-              <a:off x="6603060" y="5508086"/>
+              <a:off x="5127827" y="5234041"/>
               <a:ext cx="0" cy="56936"/>
             </a:xfrm>
             <a:custGeom>
@@ -5565,7 +6030,7 @@
           </p:nvSpPr>
           <p:spPr>
             <a:xfrm>
-              <a:off x="7340676" y="5508086"/>
+              <a:off x="5865443" y="5234041"/>
               <a:ext cx="0" cy="56936"/>
             </a:xfrm>
             <a:custGeom>
@@ -5605,7 +6070,7 @@
           </p:nvSpPr>
           <p:spPr>
             <a:xfrm>
-              <a:off x="8078292" y="5508086"/>
+              <a:off x="6603060" y="5234041"/>
               <a:ext cx="0" cy="56936"/>
             </a:xfrm>
             <a:custGeom>
@@ -5639,13 +6104,93 @@
         </p:sp>
         <p:sp>
           <p:nvSpPr>
-            <p:cNvPr id="35" name="tx33"/>
+            <p:cNvPr id="35" name="pl33"/>
             <p:cNvSpPr/>
             <p:nvPr/>
           </p:nvSpPr>
           <p:spPr>
             <a:xfrm>
-              <a:off x="1376178" y="5609902"/>
+              <a:off x="7340676" y="5234041"/>
+              <a:ext cx="0" cy="56936"/>
+            </a:xfrm>
+            <a:custGeom>
+              <a:avLst/>
+              <a:pathLst>
+                <a:path w="0" h="56936">
+                  <a:moveTo>
+                    <a:pt x="0" y="56936"/>
+                  </a:moveTo>
+                  <a:lnTo>
+                    <a:pt x="0" y="0"/>
+                  </a:lnTo>
+                </a:path>
+              </a:pathLst>
+            </a:custGeom>
+            <a:ln w="7143" cap="flat">
+              <a:solidFill>
+                <a:srgbClr val="000000">
+                  <a:alpha val="100000"/>
+                </a:srgbClr>
+              </a:solidFill>
+              <a:prstDash val="solid"/>
+              <a:round/>
+            </a:ln>
+          </p:spPr>
+          <p:txBody>
+            <a:bodyPr/>
+            <a:lstStyle/>
+            <a:p/>
+          </p:txBody>
+        </p:sp>
+        <p:sp>
+          <p:nvSpPr>
+            <p:cNvPr id="36" name="pl34"/>
+            <p:cNvSpPr/>
+            <p:nvPr/>
+          </p:nvSpPr>
+          <p:spPr>
+            <a:xfrm>
+              <a:off x="8078292" y="5234041"/>
+              <a:ext cx="0" cy="56936"/>
+            </a:xfrm>
+            <a:custGeom>
+              <a:avLst/>
+              <a:pathLst>
+                <a:path w="0" h="56936">
+                  <a:moveTo>
+                    <a:pt x="0" y="56936"/>
+                  </a:moveTo>
+                  <a:lnTo>
+                    <a:pt x="0" y="0"/>
+                  </a:lnTo>
+                </a:path>
+              </a:pathLst>
+            </a:custGeom>
+            <a:ln w="7143" cap="flat">
+              <a:solidFill>
+                <a:srgbClr val="000000">
+                  <a:alpha val="100000"/>
+                </a:srgbClr>
+              </a:solidFill>
+              <a:prstDash val="solid"/>
+              <a:round/>
+            </a:ln>
+          </p:spPr>
+          <p:txBody>
+            <a:bodyPr/>
+            <a:lstStyle/>
+            <a:p/>
+          </p:txBody>
+        </p:sp>
+        <p:sp>
+          <p:nvSpPr>
+            <p:cNvPr id="37" name="tx35"/>
+            <p:cNvSpPr/>
+            <p:nvPr/>
+          </p:nvSpPr>
+          <p:spPr>
+            <a:xfrm>
+              <a:off x="1376178" y="5335857"/>
               <a:ext cx="127136" cy="164306"/>
             </a:xfrm>
             <a:prstGeom prst="rect">
@@ -5685,13 +6230,13 @@
         </p:sp>
         <p:sp>
           <p:nvSpPr>
-            <p:cNvPr id="36" name="tx34"/>
+            <p:cNvPr id="38" name="tx36"/>
             <p:cNvSpPr/>
             <p:nvPr/>
           </p:nvSpPr>
           <p:spPr>
             <a:xfrm>
-              <a:off x="2113794" y="5609902"/>
+              <a:off x="2113794" y="5335857"/>
               <a:ext cx="127136" cy="164306"/>
             </a:xfrm>
             <a:prstGeom prst="rect">
@@ -5731,13 +6276,13 @@
         </p:sp>
         <p:sp>
           <p:nvSpPr>
-            <p:cNvPr id="37" name="tx35"/>
+            <p:cNvPr id="39" name="tx37"/>
             <p:cNvSpPr/>
             <p:nvPr/>
           </p:nvSpPr>
           <p:spPr>
             <a:xfrm>
-              <a:off x="2851411" y="5607000"/>
+              <a:off x="2851411" y="5332955"/>
               <a:ext cx="127136" cy="167208"/>
             </a:xfrm>
             <a:prstGeom prst="rect">
@@ -5777,13 +6322,13 @@
         </p:sp>
         <p:sp>
           <p:nvSpPr>
-            <p:cNvPr id="38" name="tx36"/>
+            <p:cNvPr id="40" name="tx38"/>
             <p:cNvSpPr/>
             <p:nvPr/>
           </p:nvSpPr>
           <p:spPr>
             <a:xfrm>
-              <a:off x="3589027" y="5610572"/>
+              <a:off x="3589027" y="5336526"/>
               <a:ext cx="127136" cy="163636"/>
             </a:xfrm>
             <a:prstGeom prst="rect">
@@ -5823,13 +6368,13 @@
         </p:sp>
         <p:sp>
           <p:nvSpPr>
-            <p:cNvPr id="39" name="tx37"/>
+            <p:cNvPr id="41" name="tx39"/>
             <p:cNvSpPr/>
             <p:nvPr/>
           </p:nvSpPr>
           <p:spPr>
             <a:xfrm>
-              <a:off x="4326643" y="5610014"/>
+              <a:off x="4326643" y="5335968"/>
               <a:ext cx="127136" cy="164194"/>
             </a:xfrm>
             <a:prstGeom prst="rect">
@@ -5869,13 +6414,13 @@
         </p:sp>
         <p:sp>
           <p:nvSpPr>
-            <p:cNvPr id="40" name="tx38"/>
+            <p:cNvPr id="42" name="tx40"/>
             <p:cNvSpPr/>
             <p:nvPr/>
           </p:nvSpPr>
           <p:spPr>
             <a:xfrm>
-              <a:off x="5064259" y="5607112"/>
+              <a:off x="5064259" y="5333066"/>
               <a:ext cx="127136" cy="167096"/>
             </a:xfrm>
             <a:prstGeom prst="rect">
@@ -5915,13 +6460,13 @@
         </p:sp>
         <p:sp>
           <p:nvSpPr>
-            <p:cNvPr id="41" name="tx39"/>
+            <p:cNvPr id="43" name="tx41"/>
             <p:cNvSpPr/>
             <p:nvPr/>
           </p:nvSpPr>
           <p:spPr>
             <a:xfrm>
-              <a:off x="5801875" y="5612693"/>
+              <a:off x="5801875" y="5338647"/>
               <a:ext cx="127136" cy="161515"/>
             </a:xfrm>
             <a:prstGeom prst="rect">
@@ -5961,13 +6506,13 @@
         </p:sp>
         <p:sp>
           <p:nvSpPr>
-            <p:cNvPr id="42" name="tx40"/>
+            <p:cNvPr id="44" name="tx42"/>
             <p:cNvSpPr/>
             <p:nvPr/>
           </p:nvSpPr>
           <p:spPr>
             <a:xfrm>
-              <a:off x="6539491" y="5607112"/>
+              <a:off x="6539491" y="5333066"/>
               <a:ext cx="127136" cy="167096"/>
             </a:xfrm>
             <a:prstGeom prst="rect">
@@ -6007,13 +6552,13 @@
         </p:sp>
         <p:sp>
           <p:nvSpPr>
-            <p:cNvPr id="43" name="tx41"/>
+            <p:cNvPr id="45" name="tx43"/>
             <p:cNvSpPr/>
             <p:nvPr/>
           </p:nvSpPr>
           <p:spPr>
             <a:xfrm>
-              <a:off x="7277107" y="5607112"/>
+              <a:off x="7277107" y="5333066"/>
               <a:ext cx="127136" cy="167096"/>
             </a:xfrm>
             <a:prstGeom prst="rect">
@@ -6053,13 +6598,13 @@
         </p:sp>
         <p:sp>
           <p:nvSpPr>
-            <p:cNvPr id="44" name="tx42"/>
+            <p:cNvPr id="46" name="tx44"/>
             <p:cNvSpPr/>
             <p:nvPr/>
           </p:nvSpPr>
           <p:spPr>
             <a:xfrm>
-              <a:off x="7951155" y="5607112"/>
+              <a:off x="7951155" y="5333066"/>
               <a:ext cx="254272" cy="167096"/>
             </a:xfrm>
             <a:prstGeom prst="rect">
@@ -6099,13 +6644,13 @@
         </p:sp>
         <p:sp>
           <p:nvSpPr>
-            <p:cNvPr id="45" name="tx43"/>
+            <p:cNvPr id="47" name="tx45"/>
             <p:cNvSpPr/>
             <p:nvPr/>
           </p:nvSpPr>
           <p:spPr>
             <a:xfrm>
-              <a:off x="4441401" y="5876575"/>
+              <a:off x="4441401" y="5602529"/>
               <a:ext cx="635235" cy="166315"/>
             </a:xfrm>
             <a:prstGeom prst="rect">
@@ -6145,14 +6690,14 @@
         </p:sp>
         <p:sp>
           <p:nvSpPr>
-            <p:cNvPr id="46" name="tx44"/>
+            <p:cNvPr id="48" name="tx46"/>
             <p:cNvSpPr/>
             <p:nvPr/>
           </p:nvSpPr>
           <p:spPr>
             <a:xfrm>
-              <a:off x="640418" y="6252538"/>
-              <a:ext cx="8053709" cy="119067"/>
+              <a:off x="640418" y="5978493"/>
+              <a:ext cx="7919836" cy="119067"/>
             </a:xfrm>
             <a:prstGeom prst="rect">
               <a:avLst/>
@@ -6184,21 +6729,21 @@
                   <a:latin typeface="Arial"/>
                   <a:cs typeface="Arial"/>
                 </a:rPr>
-                <a:t>Notes: Value of tax breaks calculated against a comprehensiveincome tax benchmark. Deciles sorted by taxable income.Projections to 2020-21</a:t>
+                <a:t>Notes: Value of tax breaks calculated against a comprehensive income tax benchmark. Deciles sorted by taxable income.Superannuation tax</a:t>
               </a:r>
             </a:p>
           </p:txBody>
         </p:sp>
         <p:sp>
           <p:nvSpPr>
-            <p:cNvPr id="47" name="tx45"/>
+            <p:cNvPr id="49" name="tx47"/>
             <p:cNvSpPr/>
             <p:nvPr/>
           </p:nvSpPr>
           <p:spPr>
             <a:xfrm>
-              <a:off x="640418" y="6389561"/>
-              <a:ext cx="7672904" cy="119067"/>
+              <a:off x="640418" y="6115887"/>
+              <a:ext cx="7764590" cy="118695"/>
             </a:xfrm>
             <a:prstGeom prst="rect">
               <a:avLst/>
@@ -6230,21 +6775,21 @@
                   <a:latin typeface="Arial"/>
                   <a:cs typeface="Arial"/>
                 </a:rPr>
-                <a:t>assume 2% wage growth and 0% growth in the number of taxfilers from 2019-20 to 2020-21 Only includes taxpayers that made a pre-tax</a:t>
+                <a:t>breaks includes concessional taxes for contributions and earnings, taking into account LISTO. Assumes 5% earnings in retirement and 7%</a:t>
               </a:r>
             </a:p>
           </p:txBody>
         </p:sp>
         <p:sp>
           <p:nvSpPr>
-            <p:cNvPr id="48" name="tx46"/>
+            <p:cNvPr id="50" name="tx48"/>
             <p:cNvSpPr/>
             <p:nvPr/>
           </p:nvSpPr>
           <p:spPr>
             <a:xfrm>
-              <a:off x="640418" y="6528133"/>
-              <a:ext cx="1354096" cy="117518"/>
+              <a:off x="640418" y="6252910"/>
+              <a:ext cx="7778653" cy="118695"/>
             </a:xfrm>
             <a:prstGeom prst="rect">
               <a:avLst/>
@@ -6276,14 +6821,106 @@
                   <a:latin typeface="Arial"/>
                   <a:cs typeface="Arial"/>
                 </a:rPr>
-                <a:t>contribution in that year.</a:t>
+                <a:t>earnings in accumulation; assumes that the effective tax on earnings is 10% assumes, if earnings taxes were abolished, taxfilers would put</a:t>
               </a:r>
             </a:p>
           </p:txBody>
         </p:sp>
         <p:sp>
           <p:nvSpPr>
-            <p:cNvPr id="49" name="tx47"/>
+            <p:cNvPr id="51" name="tx49"/>
+            <p:cNvSpPr/>
+            <p:nvPr/>
+          </p:nvSpPr>
+          <p:spPr>
+            <a:xfrm>
+              <a:off x="640418" y="6389561"/>
+              <a:ext cx="7877834" cy="119067"/>
+            </a:xfrm>
+            <a:prstGeom prst="rect">
+              <a:avLst/>
+            </a:prstGeom>
+            <a:noFill/>
+          </p:spPr>
+          <p:txBody>
+            <a:bodyPr lIns="0" rIns="0" tIns="0" bIns="0" anchorCtr="1" anchor="ctr" wrap="none"/>
+            <a:lstStyle/>
+            <a:p>
+              <a:pPr algn="l" marL="0" marR="0" indent="0">
+                <a:lnSpc>
+                  <a:spcPts val="999"/>
+                </a:lnSpc>
+                <a:spcBef>
+                  <a:spcPts val="0"/>
+                </a:spcBef>
+                <a:spcAft>
+                  <a:spcPts val="0"/>
+                </a:spcAft>
+              </a:pPr>
+              <a:r>
+                <a:rPr sz="999" i="1">
+                  <a:solidFill>
+                    <a:srgbClr val="000000">
+                      <a:alpha val="100000"/>
+                    </a:srgbClr>
+                  </a:solidFill>
+                  <a:latin typeface="Arial"/>
+                  <a:cs typeface="Arial"/>
+                </a:rPr>
+                <a:t>80% of earnings income into assets that would enjoy the capital gains tax discount; Projections to 2020-21 assume 2% wage growth and 0%</a:t>
+              </a:r>
+            </a:p>
+          </p:txBody>
+        </p:sp>
+        <p:sp>
+          <p:nvSpPr>
+            <p:cNvPr id="52" name="tx50"/>
+            <p:cNvSpPr/>
+            <p:nvPr/>
+          </p:nvSpPr>
+          <p:spPr>
+            <a:xfrm>
+              <a:off x="640418" y="6526584"/>
+              <a:ext cx="7143978" cy="119067"/>
+            </a:xfrm>
+            <a:prstGeom prst="rect">
+              <a:avLst/>
+            </a:prstGeom>
+            <a:noFill/>
+          </p:spPr>
+          <p:txBody>
+            <a:bodyPr lIns="0" rIns="0" tIns="0" bIns="0" anchorCtr="1" anchor="ctr" wrap="none"/>
+            <a:lstStyle/>
+            <a:p>
+              <a:pPr algn="l" marL="0" marR="0" indent="0">
+                <a:lnSpc>
+                  <a:spcPts val="999"/>
+                </a:lnSpc>
+                <a:spcBef>
+                  <a:spcPts val="0"/>
+                </a:spcBef>
+                <a:spcAft>
+                  <a:spcPts val="0"/>
+                </a:spcAft>
+              </a:pPr>
+              <a:r>
+                <a:rPr sz="999" i="1">
+                  <a:solidFill>
+                    <a:srgbClr val="000000">
+                      <a:alpha val="100000"/>
+                    </a:srgbClr>
+                  </a:solidFill>
+                  <a:latin typeface="Arial"/>
+                  <a:cs typeface="Arial"/>
+                </a:rPr>
+                <a:t>growth in the number of taxfilers from 2019-20 to 2020-21 Only includes taxpayers that made a pre-tax contribution in that year.</a:t>
+              </a:r>
+            </a:p>
+          </p:txBody>
+        </p:sp>
+        <p:sp>
+          <p:nvSpPr>
+            <p:cNvPr id="53" name="tx51"/>
             <p:cNvSpPr/>
             <p:nvPr/>
           </p:nvSpPr>
